--- a/[C1908G2]-[Group7]-[QuanLyKhachSan].pptx
+++ b/[C1908G2]-[Group7]-[QuanLyKhachSan].pptx
@@ -269,7 +269,7 @@
       </p15:sldGuideLst>
     </p:ext>
     <p:ext uri="http://customooxmlschemas.google.com/">
-      <go:slidesCustomData xmlns:go="http://customooxmlschemas.google.com/" xmlns:ahyp="http://schemas.microsoft.com/office/drawing/2018/hyperlinkcolor" xmlns:p15="http://schemas.microsoft.com/office/powerpoint/2012/main" xmlns:p14="http://schemas.microsoft.com/office/powerpoint/2010/main" xmlns:com="http://schemas.openxmlformats.org/drawingml/2006/compatibility" xmlns:pvml="urn:schemas-microsoft-com:office:powerpoint" xmlns:v="urn:schemas-microsoft-com:vml" xmlns:o="urn:schemas-microsoft-com:office:office" xmlns:dgm="http://schemas.openxmlformats.org/drawingml/2006/diagram" xmlns:c="http://schemas.openxmlformats.org/drawingml/2006/chart" xmlns:mv="urn:schemas-microsoft-com:mac:vml" xmlns:mc="http://schemas.openxmlformats.org/markup-compatibility/2006" xmlns="" r:id="rId17" roundtripDataSignature="AMtx7mjah0YCHTPxZm8HuMlc1Se/tljA+g=="/>
+      <go:slidesCustomData xmlns="" xmlns:mc="http://schemas.openxmlformats.org/markup-compatibility/2006" xmlns:mv="urn:schemas-microsoft-com:mac:vml" xmlns:c="http://schemas.openxmlformats.org/drawingml/2006/chart" xmlns:dgm="http://schemas.openxmlformats.org/drawingml/2006/diagram" xmlns:o="urn:schemas-microsoft-com:office:office" xmlns:v="urn:schemas-microsoft-com:vml" xmlns:pvml="urn:schemas-microsoft-com:office:powerpoint" xmlns:com="http://schemas.openxmlformats.org/drawingml/2006/compatibility" xmlns:p14="http://schemas.microsoft.com/office/powerpoint/2010/main" xmlns:p15="http://schemas.microsoft.com/office/powerpoint/2012/main" xmlns:ahyp="http://schemas.microsoft.com/office/drawing/2018/hyperlinkcolor" xmlns:go="http://customooxmlschemas.google.com/" r:id="rId17" roundtripDataSignature="AMtx7mjah0YCHTPxZm8HuMlc1Se/tljA+g=="/>
     </p:ext>
   </p:extLst>
 </p:presentation>
@@ -20306,6 +20306,13 @@
   <p:clrMapOvr>
     <a:masterClrMapping/>
   </p:clrMapOvr>
+  <p:timing>
+    <p:tnLst>
+      <p:par>
+        <p:cTn id="1" dur="indefinite" restart="never" nodeType="tmRoot"/>
+      </p:par>
+    </p:tnLst>
+  </p:timing>
 </p:sld>
 </file>
 
@@ -20471,8 +20478,8 @@
         </p:blipFill>
         <p:spPr>
           <a:xfrm>
-            <a:off x="2072641" y="1619794"/>
-            <a:ext cx="8281850" cy="4336869"/>
+            <a:off x="1933303" y="1497874"/>
+            <a:ext cx="8516982" cy="4624252"/>
           </a:xfrm>
           <a:prstGeom prst="rect">
             <a:avLst/>
@@ -20489,6 +20496,13 @@
   <p:clrMapOvr>
     <a:masterClrMapping/>
   </p:clrMapOvr>
+  <p:timing>
+    <p:tnLst>
+      <p:par>
+        <p:cTn id="1" dur="indefinite" restart="never" nodeType="tmRoot"/>
+      </p:par>
+    </p:tnLst>
+  </p:timing>
 </p:sld>
 </file>
 
@@ -20672,6 +20686,13 @@
   <p:clrMapOvr>
     <a:masterClrMapping/>
   </p:clrMapOvr>
+  <p:timing>
+    <p:tnLst>
+      <p:par>
+        <p:cTn id="1" dur="indefinite" restart="never" nodeType="tmRoot"/>
+      </p:par>
+    </p:tnLst>
+  </p:timing>
 </p:sld>
 </file>
 
@@ -20769,6 +20790,13 @@
   <p:clrMapOvr>
     <a:masterClrMapping/>
   </p:clrMapOvr>
+  <p:timing>
+    <p:tnLst>
+      <p:par>
+        <p:cTn id="1" dur="indefinite" restart="never" nodeType="tmRoot"/>
+      </p:par>
+    </p:tnLst>
+  </p:timing>
 </p:sld>
 </file>
 
@@ -20871,6 +20899,13 @@
   <p:clrMapOvr>
     <a:masterClrMapping/>
   </p:clrMapOvr>
+  <p:timing>
+    <p:tnLst>
+      <p:par>
+        <p:cTn id="1" dur="indefinite" restart="never" nodeType="tmRoot"/>
+      </p:par>
+    </p:tnLst>
+  </p:timing>
 </p:sld>
 </file>
 
@@ -21201,6 +21236,13 @@
   <p:clrMapOvr>
     <a:masterClrMapping/>
   </p:clrMapOvr>
+  <p:timing>
+    <p:tnLst>
+      <p:par>
+        <p:cTn id="1" dur="indefinite" restart="never" nodeType="tmRoot"/>
+      </p:par>
+    </p:tnLst>
+  </p:timing>
 </p:sld>
 </file>
 
@@ -26440,6 +26482,13 @@
   <p:clrMapOvr>
     <a:masterClrMapping/>
   </p:clrMapOvr>
+  <p:timing>
+    <p:tnLst>
+      <p:par>
+        <p:cTn id="1" dur="indefinite" restart="never" nodeType="tmRoot"/>
+      </p:par>
+    </p:tnLst>
+  </p:timing>
 </p:sld>
 </file>
 

--- a/[C1908G2]-[Group7]-[QuanLyKhachSan].pptx
+++ b/[C1908G2]-[Group7]-[QuanLyKhachSan].pptx
@@ -269,7 +269,7 @@
       </p15:sldGuideLst>
     </p:ext>
     <p:ext uri="http://customooxmlschemas.google.com/">
-      <go:slidesCustomData xmlns="" xmlns:mc="http://schemas.openxmlformats.org/markup-compatibility/2006" xmlns:mv="urn:schemas-microsoft-com:mac:vml" xmlns:c="http://schemas.openxmlformats.org/drawingml/2006/chart" xmlns:dgm="http://schemas.openxmlformats.org/drawingml/2006/diagram" xmlns:o="urn:schemas-microsoft-com:office:office" xmlns:v="urn:schemas-microsoft-com:vml" xmlns:pvml="urn:schemas-microsoft-com:office:powerpoint" xmlns:com="http://schemas.openxmlformats.org/drawingml/2006/compatibility" xmlns:p14="http://schemas.microsoft.com/office/powerpoint/2010/main" xmlns:p15="http://schemas.microsoft.com/office/powerpoint/2012/main" xmlns:ahyp="http://schemas.microsoft.com/office/drawing/2018/hyperlinkcolor" xmlns:go="http://customooxmlschemas.google.com/" r:id="rId17" roundtripDataSignature="AMtx7mjah0YCHTPxZm8HuMlc1Se/tljA+g=="/>
+      <go:slidesCustomData xmlns:go="http://customooxmlschemas.google.com/" xmlns:ahyp="http://schemas.microsoft.com/office/drawing/2018/hyperlinkcolor" xmlns:p15="http://schemas.microsoft.com/office/powerpoint/2012/main" xmlns:p14="http://schemas.microsoft.com/office/powerpoint/2010/main" xmlns:com="http://schemas.openxmlformats.org/drawingml/2006/compatibility" xmlns:pvml="urn:schemas-microsoft-com:office:powerpoint" xmlns:v="urn:schemas-microsoft-com:vml" xmlns:o="urn:schemas-microsoft-com:office:office" xmlns:dgm="http://schemas.openxmlformats.org/drawingml/2006/diagram" xmlns:c="http://schemas.openxmlformats.org/drawingml/2006/chart" xmlns:mv="urn:schemas-microsoft-com:mac:vml" xmlns:mc="http://schemas.openxmlformats.org/markup-compatibility/2006" xmlns="" r:id="rId17" roundtripDataSignature="AMtx7mjah0YCHTPxZm8HuMlc1Se/tljA+g=="/>
     </p:ext>
   </p:extLst>
 </p:presentation>
@@ -25799,8 +25799,10 @@
       </p:sp>
       <p:pic>
         <p:nvPicPr>
-          <p:cNvPr id="4" name="Picture 3"/>
-          <p:cNvPicPr/>
+          <p:cNvPr id="2" name="Picture 1"/>
+          <p:cNvPicPr>
+            <a:picLocks noChangeAspect="1"/>
+          </p:cNvPicPr>
           <p:nvPr/>
         </p:nvPicPr>
         <p:blipFill>
@@ -25817,8 +25819,8 @@
         </p:blipFill>
         <p:spPr>
           <a:xfrm>
-            <a:off x="1428206" y="838200"/>
-            <a:ext cx="9562011" cy="5486399"/>
+            <a:off x="1343025" y="838200"/>
+            <a:ext cx="9505950" cy="5486400"/>
           </a:xfrm>
           <a:prstGeom prst="rect">
             <a:avLst/>

--- a/[C1908G2]-[Group7]-[QuanLyKhachSan].pptx
+++ b/[C1908G2]-[Group7]-[QuanLyKhachSan].pptx
@@ -269,7 +269,7 @@
       </p15:sldGuideLst>
     </p:ext>
     <p:ext uri="http://customooxmlschemas.google.com/">
-      <go:slidesCustomData xmlns:go="http://customooxmlschemas.google.com/" xmlns:ahyp="http://schemas.microsoft.com/office/drawing/2018/hyperlinkcolor" xmlns:p15="http://schemas.microsoft.com/office/powerpoint/2012/main" xmlns:p14="http://schemas.microsoft.com/office/powerpoint/2010/main" xmlns:com="http://schemas.openxmlformats.org/drawingml/2006/compatibility" xmlns:pvml="urn:schemas-microsoft-com:office:powerpoint" xmlns:v="urn:schemas-microsoft-com:vml" xmlns:o="urn:schemas-microsoft-com:office:office" xmlns:dgm="http://schemas.openxmlformats.org/drawingml/2006/diagram" xmlns:c="http://schemas.openxmlformats.org/drawingml/2006/chart" xmlns:mv="urn:schemas-microsoft-com:mac:vml" xmlns:mc="http://schemas.openxmlformats.org/markup-compatibility/2006" xmlns="" r:id="rId17" roundtripDataSignature="AMtx7mjah0YCHTPxZm8HuMlc1Se/tljA+g=="/>
+      <go:slidesCustomData xmlns="" xmlns:mc="http://schemas.openxmlformats.org/markup-compatibility/2006" xmlns:mv="urn:schemas-microsoft-com:mac:vml" xmlns:c="http://schemas.openxmlformats.org/drawingml/2006/chart" xmlns:dgm="http://schemas.openxmlformats.org/drawingml/2006/diagram" xmlns:o="urn:schemas-microsoft-com:office:office" xmlns:v="urn:schemas-microsoft-com:vml" xmlns:pvml="urn:schemas-microsoft-com:office:powerpoint" xmlns:com="http://schemas.openxmlformats.org/drawingml/2006/compatibility" xmlns:p14="http://schemas.microsoft.com/office/powerpoint/2010/main" xmlns:p15="http://schemas.microsoft.com/office/powerpoint/2012/main" xmlns:ahyp="http://schemas.microsoft.com/office/drawing/2018/hyperlinkcolor" xmlns:go="http://customooxmlschemas.google.com/" r:id="rId17" roundtripDataSignature="AMtx7mjah0YCHTPxZm8HuMlc1Se/tljA+g=="/>
     </p:ext>
   </p:extLst>
 </p:presentation>

--- a/[C1908G2]-[Group7]-[QuanLyKhachSan].pptx
+++ b/[C1908G2]-[Group7]-[QuanLyKhachSan].pptx
@@ -269,7 +269,7 @@
       </p15:sldGuideLst>
     </p:ext>
     <p:ext uri="http://customooxmlschemas.google.com/">
-      <go:slidesCustomData xmlns="" xmlns:mc="http://schemas.openxmlformats.org/markup-compatibility/2006" xmlns:mv="urn:schemas-microsoft-com:mac:vml" xmlns:c="http://schemas.openxmlformats.org/drawingml/2006/chart" xmlns:dgm="http://schemas.openxmlformats.org/drawingml/2006/diagram" xmlns:o="urn:schemas-microsoft-com:office:office" xmlns:v="urn:schemas-microsoft-com:vml" xmlns:pvml="urn:schemas-microsoft-com:office:powerpoint" xmlns:com="http://schemas.openxmlformats.org/drawingml/2006/compatibility" xmlns:p14="http://schemas.microsoft.com/office/powerpoint/2010/main" xmlns:p15="http://schemas.microsoft.com/office/powerpoint/2012/main" xmlns:ahyp="http://schemas.microsoft.com/office/drawing/2018/hyperlinkcolor" xmlns:go="http://customooxmlschemas.google.com/" r:id="rId17" roundtripDataSignature="AMtx7mjah0YCHTPxZm8HuMlc1Se/tljA+g=="/>
+      <go:slidesCustomData xmlns:go="http://customooxmlschemas.google.com/" xmlns:ahyp="http://schemas.microsoft.com/office/drawing/2018/hyperlinkcolor" xmlns:p15="http://schemas.microsoft.com/office/powerpoint/2012/main" xmlns:p14="http://schemas.microsoft.com/office/powerpoint/2010/main" xmlns:com="http://schemas.openxmlformats.org/drawingml/2006/compatibility" xmlns:pvml="urn:schemas-microsoft-com:office:powerpoint" xmlns:v="urn:schemas-microsoft-com:vml" xmlns:o="urn:schemas-microsoft-com:office:office" xmlns:dgm="http://schemas.openxmlformats.org/drawingml/2006/diagram" xmlns:c="http://schemas.openxmlformats.org/drawingml/2006/chart" xmlns:mv="urn:schemas-microsoft-com:mac:vml" xmlns:mc="http://schemas.openxmlformats.org/markup-compatibility/2006" xmlns="" r:id="rId17" roundtripDataSignature="AMtx7mjah0YCHTPxZm8HuMlc1Se/tljA+g=="/>
     </p:ext>
   </p:extLst>
 </p:presentation>
@@ -25635,8 +25635,10 @@
       </p:sp>
       <p:pic>
         <p:nvPicPr>
-          <p:cNvPr id="4" name="Picture 3"/>
-          <p:cNvPicPr/>
+          <p:cNvPr id="2" name="Picture 1"/>
+          <p:cNvPicPr>
+            <a:picLocks noChangeAspect="1"/>
+          </p:cNvPicPr>
           <p:nvPr/>
         </p:nvPicPr>
         <p:blipFill>
@@ -25647,8 +25649,8 @@
         </p:blipFill>
         <p:spPr>
           <a:xfrm>
-            <a:off x="2255520" y="1020762"/>
-            <a:ext cx="8055429" cy="5144907"/>
+            <a:off x="1915886" y="1020762"/>
+            <a:ext cx="8360228" cy="5303839"/>
           </a:xfrm>
           <a:prstGeom prst="rect">
             <a:avLst/>
@@ -25938,56 +25940,12 @@
           </a:p>
         </p:txBody>
       </p:sp>
-      <p:sp>
-        <p:nvSpPr>
-          <p:cNvPr id="123" name="Google Shape;123;p7"/>
-          <p:cNvSpPr txBox="1">
-            <a:spLocks noGrp="1"/>
-          </p:cNvSpPr>
-          <p:nvPr>
-            <p:ph type="body" idx="1"/>
-          </p:nvPr>
-        </p:nvSpPr>
-        <p:spPr>
-          <a:xfrm>
-            <a:off x="76200" y="838200"/>
-            <a:ext cx="11887200" cy="5486400"/>
-          </a:xfrm>
-          <a:prstGeom prst="rect">
-            <a:avLst/>
-          </a:prstGeom>
-          <a:noFill/>
-          <a:ln>
-            <a:noFill/>
-          </a:ln>
-        </p:spPr>
-        <p:txBody>
-          <a:bodyPr spcFirstLastPara="1" wrap="square" lIns="91425" tIns="91425" rIns="91425" bIns="91425" anchor="t" anchorCtr="0">
-            <a:noAutofit/>
-          </a:bodyPr>
-          <a:lstStyle/>
-          <a:p>
-            <a:pPr marL="177800" lvl="0" indent="0" algn="l" rtl="0">
-              <a:lnSpc>
-                <a:spcPct val="150000"/>
-              </a:lnSpc>
-              <a:spcBef>
-                <a:spcPts val="0"/>
-              </a:spcBef>
-              <a:spcAft>
-                <a:spcPts val="0"/>
-              </a:spcAft>
-              <a:buSzPts val="2000"/>
-              <a:buNone/>
-            </a:pPr>
-            <a:endParaRPr/>
-          </a:p>
-        </p:txBody>
-      </p:sp>
       <p:pic>
         <p:nvPicPr>
-          <p:cNvPr id="4" name="Picture 3"/>
-          <p:cNvPicPr/>
+          <p:cNvPr id="5" name="Picture 4"/>
+          <p:cNvPicPr>
+            <a:picLocks noChangeAspect="1"/>
+          </p:cNvPicPr>
           <p:nvPr/>
         </p:nvPicPr>
         <p:blipFill>
@@ -25998,8 +25956,8 @@
         </p:blipFill>
         <p:spPr>
           <a:xfrm>
-            <a:off x="1140822" y="838200"/>
-            <a:ext cx="9683931" cy="5486400"/>
+            <a:off x="975361" y="1020762"/>
+            <a:ext cx="9892936" cy="5153615"/>
           </a:xfrm>
           <a:prstGeom prst="rect">
             <a:avLst/>

--- a/[C1908G2]-[Group7]-[QuanLyKhachSan].pptx
+++ b/[C1908G2]-[Group7]-[QuanLyKhachSan].pptx
@@ -269,7 +269,7 @@
       </p15:sldGuideLst>
     </p:ext>
     <p:ext uri="http://customooxmlschemas.google.com/">
-      <go:slidesCustomData xmlns="" xmlns:mc="http://schemas.openxmlformats.org/markup-compatibility/2006" xmlns:mv="urn:schemas-microsoft-com:mac:vml" xmlns:c="http://schemas.openxmlformats.org/drawingml/2006/chart" xmlns:dgm="http://schemas.openxmlformats.org/drawingml/2006/diagram" xmlns:o="urn:schemas-microsoft-com:office:office" xmlns:v="urn:schemas-microsoft-com:vml" xmlns:pvml="urn:schemas-microsoft-com:office:powerpoint" xmlns:com="http://schemas.openxmlformats.org/drawingml/2006/compatibility" xmlns:p14="http://schemas.microsoft.com/office/powerpoint/2010/main" xmlns:p15="http://schemas.microsoft.com/office/powerpoint/2012/main" xmlns:ahyp="http://schemas.microsoft.com/office/drawing/2018/hyperlinkcolor" xmlns:go="http://customooxmlschemas.google.com/" r:id="rId17" roundtripDataSignature="AMtx7mjah0YCHTPxZm8HuMlc1Se/tljA+g=="/>
+      <go:slidesCustomData xmlns:go="http://customooxmlschemas.google.com/" xmlns:ahyp="http://schemas.microsoft.com/office/drawing/2018/hyperlinkcolor" xmlns:p15="http://schemas.microsoft.com/office/powerpoint/2012/main" xmlns:p14="http://schemas.microsoft.com/office/powerpoint/2010/main" xmlns:com="http://schemas.openxmlformats.org/drawingml/2006/compatibility" xmlns:pvml="urn:schemas-microsoft-com:office:powerpoint" xmlns:v="urn:schemas-microsoft-com:vml" xmlns:o="urn:schemas-microsoft-com:office:office" xmlns:dgm="http://schemas.openxmlformats.org/drawingml/2006/diagram" xmlns:c="http://schemas.openxmlformats.org/drawingml/2006/chart" xmlns:mv="urn:schemas-microsoft-com:mac:vml" xmlns:mc="http://schemas.openxmlformats.org/markup-compatibility/2006" xmlns="" r:id="rId17" roundtripDataSignature="AMtx7mjah0YCHTPxZm8HuMlc1Se/tljA+g=="/>
     </p:ext>
   </p:extLst>
 </p:presentation>
@@ -25801,7 +25801,7 @@
       </p:sp>
       <p:pic>
         <p:nvPicPr>
-          <p:cNvPr id="2" name="Picture 1"/>
+          <p:cNvPr id="3" name="Picture 2"/>
           <p:cNvPicPr>
             <a:picLocks noChangeAspect="1"/>
           </p:cNvPicPr>
@@ -25821,7 +25821,7 @@
         </p:blipFill>
         <p:spPr>
           <a:xfrm>
-            <a:off x="1343025" y="838200"/>
+            <a:off x="1266825" y="838200"/>
             <a:ext cx="9505950" cy="5486400"/>
           </a:xfrm>
           <a:prstGeom prst="rect">

--- a/[C1908G2]-[Group7]-[QuanLyKhachSan].pptx
+++ b/[C1908G2]-[Group7]-[QuanLyKhachSan].pptx
@@ -19937,7 +19937,7 @@
                 <a:latin typeface="Times New Roman" panose="02020603050405020304" pitchFamily="18" charset="0"/>
                 <a:cs typeface="Times New Roman" panose="02020603050405020304" pitchFamily="18" charset="0"/>
               </a:rPr>
-              <a:t>7</a:t>
+              <a:t>4</a:t>
             </a:r>
             <a:endParaRPr sz="1400" b="0" i="0" u="none" strike="noStrike" cap="none">
               <a:solidFill>
@@ -25942,7 +25942,7 @@
       </p:sp>
       <p:pic>
         <p:nvPicPr>
-          <p:cNvPr id="5" name="Picture 4"/>
+          <p:cNvPr id="2" name="Picture 1"/>
           <p:cNvPicPr>
             <a:picLocks noChangeAspect="1"/>
           </p:cNvPicPr>
@@ -25956,8 +25956,8 @@
         </p:blipFill>
         <p:spPr>
           <a:xfrm>
-            <a:off x="975361" y="1020762"/>
-            <a:ext cx="9892936" cy="5153615"/>
+            <a:off x="1149531" y="1020762"/>
+            <a:ext cx="9814560" cy="5205867"/>
           </a:xfrm>
           <a:prstGeom prst="rect">
             <a:avLst/>

--- a/[C1908G2]-[Group7]-[QuanLyKhachSan].pptx
+++ b/[C1908G2]-[Group7]-[QuanLyKhachSan].pptx
@@ -269,7 +269,7 @@
       </p15:sldGuideLst>
     </p:ext>
     <p:ext uri="http://customooxmlschemas.google.com/">
-      <go:slidesCustomData xmlns:go="http://customooxmlschemas.google.com/" xmlns:ahyp="http://schemas.microsoft.com/office/drawing/2018/hyperlinkcolor" xmlns:p15="http://schemas.microsoft.com/office/powerpoint/2012/main" xmlns:p14="http://schemas.microsoft.com/office/powerpoint/2010/main" xmlns:com="http://schemas.openxmlformats.org/drawingml/2006/compatibility" xmlns:pvml="urn:schemas-microsoft-com:office:powerpoint" xmlns:v="urn:schemas-microsoft-com:vml" xmlns:o="urn:schemas-microsoft-com:office:office" xmlns:dgm="http://schemas.openxmlformats.org/drawingml/2006/diagram" xmlns:c="http://schemas.openxmlformats.org/drawingml/2006/chart" xmlns:mv="urn:schemas-microsoft-com:mac:vml" xmlns:mc="http://schemas.openxmlformats.org/markup-compatibility/2006" xmlns="" r:id="rId17" roundtripDataSignature="AMtx7mjah0YCHTPxZm8HuMlc1Se/tljA+g=="/>
+      <go:slidesCustomData xmlns="" xmlns:mc="http://schemas.openxmlformats.org/markup-compatibility/2006" xmlns:mv="urn:schemas-microsoft-com:mac:vml" xmlns:c="http://schemas.openxmlformats.org/drawingml/2006/chart" xmlns:dgm="http://schemas.openxmlformats.org/drawingml/2006/diagram" xmlns:o="urn:schemas-microsoft-com:office:office" xmlns:v="urn:schemas-microsoft-com:vml" xmlns:pvml="urn:schemas-microsoft-com:office:powerpoint" xmlns:com="http://schemas.openxmlformats.org/drawingml/2006/compatibility" xmlns:p14="http://schemas.microsoft.com/office/powerpoint/2010/main" xmlns:p15="http://schemas.microsoft.com/office/powerpoint/2012/main" xmlns:ahyp="http://schemas.microsoft.com/office/drawing/2018/hyperlinkcolor" xmlns:go="http://customooxmlschemas.google.com/" r:id="rId17" roundtripDataSignature="AMtx7mjah0YCHTPxZm8HuMlc1Se/tljA+g=="/>
     </p:ext>
   </p:extLst>
 </p:presentation>
@@ -24818,11 +24818,11 @@
               <a:buChar char="Ø"/>
             </a:pPr>
             <a:r>
-              <a:rPr lang="en-US" sz="1800">
-                <a:latin typeface="Times New Roman" panose="02020603050405020304" pitchFamily="18" charset="0"/>
-                <a:cs typeface="Times New Roman" panose="02020603050405020304" pitchFamily="18" charset="0"/>
-              </a:rPr>
-              <a:t>       Do </a:t>
+              <a:rPr lang="en-US" sz="1800" smtClean="0">
+                <a:latin typeface="Times New Roman" panose="02020603050405020304" pitchFamily="18" charset="0"/>
+                <a:cs typeface="Times New Roman" panose="02020603050405020304" pitchFamily="18" charset="0"/>
+              </a:rPr>
+              <a:t>Do </a:t>
             </a:r>
             <a:r>
               <a:rPr lang="en-US" sz="1800" err="1">
